--- a/Microsoft PowerPoint-Präsentation (neu).pptx
+++ b/Microsoft PowerPoint-Präsentation (neu).pptx
@@ -104,6 +104,11 @@
       </a:defRPr>
     </a:lvl9pPr>
   </p:defaultTextStyle>
+  <p:extLst>
+    <p:ext uri="{EFAFB233-063F-42B5-8137-9DF3F51BA10A}">
+      <p15:sldGuideLst xmlns:p15="http://schemas.microsoft.com/office/powerpoint/2012/main"/>
+    </p:ext>
+  </p:extLst>
 </p:presentation>
 </file>
 
@@ -3399,7 +3404,7 @@
         </p:blipFill>
         <p:spPr>
           <a:xfrm>
-            <a:off x="3469417" y="173038"/>
+            <a:off x="3469417" y="0"/>
             <a:ext cx="4988123" cy="6858000"/>
           </a:xfrm>
           <a:prstGeom prst="rect">

--- a/Microsoft PowerPoint-Präsentation (neu).pptx
+++ b/Microsoft PowerPoint-Präsentation (neu).pptx
@@ -104,11 +104,6 @@
       </a:defRPr>
     </a:lvl9pPr>
   </p:defaultTextStyle>
-  <p:extLst>
-    <p:ext uri="{EFAFB233-063F-42B5-8137-9DF3F51BA10A}">
-      <p15:sldGuideLst xmlns:p15="http://schemas.microsoft.com/office/powerpoint/2012/main"/>
-    </p:ext>
-  </p:extLst>
 </p:presentation>
 </file>
 
@@ -3404,7 +3399,7 @@
         </p:blipFill>
         <p:spPr>
           <a:xfrm>
-            <a:off x="3469417" y="0"/>
+            <a:off x="3469417" y="173038"/>
             <a:ext cx="4988123" cy="6858000"/>
           </a:xfrm>
           <a:prstGeom prst="rect">

--- a/Microsoft PowerPoint-Präsentation (neu).pptx
+++ b/Microsoft PowerPoint-Präsentation (neu).pptx
@@ -6,6 +6,7 @@
   </p:sldMasterIdLst>
   <p:sldIdLst>
     <p:sldId id="256" r:id="rId2"/>
+    <p:sldId id="257" r:id="rId3"/>
   </p:sldIdLst>
   <p:sldSz cx="12192000" cy="6858000"/>
   <p:notesSz cx="6858000" cy="9144000"/>
@@ -110,6 +111,99 @@
     </p:ext>
   </p:extLst>
 </p:presentation>
+</file>
+
+<file path=ppt/revisionInfo.xml><?xml version="1.0" encoding="utf-8"?>
+<p1510:revInfo xmlns:a="http://schemas.openxmlformats.org/drawingml/2006/main" xmlns:r="http://schemas.openxmlformats.org/officeDocument/2006/relationships" xmlns:p1510="http://schemas.microsoft.com/office/powerpoint/2015/10/main">
+  <p1510:revLst>
+    <p1510:client id="{C0BB09BB-6AE1-4F91-A41E-1B66A2CC96A1}" v="1" dt="2023-06-12T11:29:01.222"/>
+  </p1510:revLst>
+</p1510:revInfo>
+</file>
+
+<file path=ppt/changesInfos/changesInfo1.xml><?xml version="1.0" encoding="utf-8"?>
+<pc:chgInfo xmlns:a="http://schemas.openxmlformats.org/drawingml/2006/main" xmlns:r="http://schemas.openxmlformats.org/officeDocument/2006/relationships" xmlns:ac="http://schemas.microsoft.com/office/drawing/2013/main/command" xmlns:pc="http://schemas.microsoft.com/office/powerpoint/2013/main/command">
+  <pc:docChgLst>
+    <pc:chgData name="Susanne Pachtmann" userId="5b9714c7-d5d0-4134-a8c7-755a8e442973" providerId="ADAL" clId="{C0BB09BB-6AE1-4F91-A41E-1B66A2CC96A1}"/>
+    <pc:docChg chg="custSel addSld modSld">
+      <pc:chgData name="Susanne Pachtmann" userId="5b9714c7-d5d0-4134-a8c7-755a8e442973" providerId="ADAL" clId="{C0BB09BB-6AE1-4F91-A41E-1B66A2CC96A1}" dt="2023-06-12T11:29:12.948" v="9" actId="962"/>
+      <pc:docMkLst>
+        <pc:docMk/>
+      </pc:docMkLst>
+      <pc:sldChg chg="addSp delSp modSp new mod setBg">
+        <pc:chgData name="Susanne Pachtmann" userId="5b9714c7-d5d0-4134-a8c7-755a8e442973" providerId="ADAL" clId="{C0BB09BB-6AE1-4F91-A41E-1B66A2CC96A1}" dt="2023-06-12T11:29:12.948" v="9" actId="962"/>
+        <pc:sldMkLst>
+          <pc:docMk/>
+          <pc:sldMk cId="1876572696" sldId="257"/>
+        </pc:sldMkLst>
+        <pc:spChg chg="del">
+          <ac:chgData name="Susanne Pachtmann" userId="5b9714c7-d5d0-4134-a8c7-755a8e442973" providerId="ADAL" clId="{C0BB09BB-6AE1-4F91-A41E-1B66A2CC96A1}" dt="2023-06-12T11:29:04.520" v="4" actId="26606"/>
+          <ac:spMkLst>
+            <pc:docMk/>
+            <pc:sldMk cId="1876572696" sldId="257"/>
+            <ac:spMk id="2" creationId="{F45AB27C-DD82-524F-15CD-42864979B339}"/>
+          </ac:spMkLst>
+        </pc:spChg>
+        <pc:spChg chg="del">
+          <ac:chgData name="Susanne Pachtmann" userId="5b9714c7-d5d0-4134-a8c7-755a8e442973" providerId="ADAL" clId="{C0BB09BB-6AE1-4F91-A41E-1B66A2CC96A1}" dt="2023-06-12T11:29:01.222" v="1"/>
+          <ac:spMkLst>
+            <pc:docMk/>
+            <pc:sldMk cId="1876572696" sldId="257"/>
+            <ac:spMk id="3" creationId="{E84AB5BD-8130-10D5-6405-F73F459C08B2}"/>
+          </ac:spMkLst>
+        </pc:spChg>
+        <pc:spChg chg="add del">
+          <ac:chgData name="Susanne Pachtmann" userId="5b9714c7-d5d0-4134-a8c7-755a8e442973" providerId="ADAL" clId="{C0BB09BB-6AE1-4F91-A41E-1B66A2CC96A1}" dt="2023-06-12T11:29:10.584" v="7" actId="26606"/>
+          <ac:spMkLst>
+            <pc:docMk/>
+            <pc:sldMk cId="1876572696" sldId="257"/>
+            <ac:spMk id="10" creationId="{42A4FC2C-047E-45A5-965D-8E1E3BF09BC6}"/>
+          </ac:spMkLst>
+        </pc:spChg>
+        <pc:spChg chg="add">
+          <ac:chgData name="Susanne Pachtmann" userId="5b9714c7-d5d0-4134-a8c7-755a8e442973" providerId="ADAL" clId="{C0BB09BB-6AE1-4F91-A41E-1B66A2CC96A1}" dt="2023-06-12T11:29:10.584" v="7" actId="26606"/>
+          <ac:spMkLst>
+            <pc:docMk/>
+            <pc:sldMk cId="1876572696" sldId="257"/>
+            <ac:spMk id="15" creationId="{AB8C311F-7253-4AED-9701-7FC0708C41C7}"/>
+          </ac:spMkLst>
+        </pc:spChg>
+        <pc:spChg chg="add">
+          <ac:chgData name="Susanne Pachtmann" userId="5b9714c7-d5d0-4134-a8c7-755a8e442973" providerId="ADAL" clId="{C0BB09BB-6AE1-4F91-A41E-1B66A2CC96A1}" dt="2023-06-12T11:29:10.584" v="7" actId="26606"/>
+          <ac:spMkLst>
+            <pc:docMk/>
+            <pc:sldMk cId="1876572696" sldId="257"/>
+            <ac:spMk id="17" creationId="{E2384209-CB15-4CDF-9D31-C44FD9A3F20D}"/>
+          </ac:spMkLst>
+        </pc:spChg>
+        <pc:spChg chg="add">
+          <ac:chgData name="Susanne Pachtmann" userId="5b9714c7-d5d0-4134-a8c7-755a8e442973" providerId="ADAL" clId="{C0BB09BB-6AE1-4F91-A41E-1B66A2CC96A1}" dt="2023-06-12T11:29:10.584" v="7" actId="26606"/>
+          <ac:spMkLst>
+            <pc:docMk/>
+            <pc:sldMk cId="1876572696" sldId="257"/>
+            <ac:spMk id="19" creationId="{2633B3B5-CC90-43F0-8714-D31D1F3F0209}"/>
+          </ac:spMkLst>
+        </pc:spChg>
+        <pc:spChg chg="add">
+          <ac:chgData name="Susanne Pachtmann" userId="5b9714c7-d5d0-4134-a8c7-755a8e442973" providerId="ADAL" clId="{C0BB09BB-6AE1-4F91-A41E-1B66A2CC96A1}" dt="2023-06-12T11:29:10.584" v="7" actId="26606"/>
+          <ac:spMkLst>
+            <pc:docMk/>
+            <pc:sldMk cId="1876572696" sldId="257"/>
+            <ac:spMk id="21" creationId="{A8D57A06-A426-446D-B02C-A2DC6B62E45E}"/>
+          </ac:spMkLst>
+        </pc:spChg>
+        <pc:picChg chg="add mod">
+          <ac:chgData name="Susanne Pachtmann" userId="5b9714c7-d5d0-4134-a8c7-755a8e442973" providerId="ADAL" clId="{C0BB09BB-6AE1-4F91-A41E-1B66A2CC96A1}" dt="2023-06-12T11:29:12.948" v="9" actId="962"/>
+          <ac:picMkLst>
+            <pc:docMk/>
+            <pc:sldMk cId="1876572696" sldId="257"/>
+            <ac:picMk id="5" creationId="{75877A7C-9063-BCE2-5673-E2AA51F4D491}"/>
+          </ac:picMkLst>
+        </pc:picChg>
+      </pc:sldChg>
+    </pc:docChg>
+  </pc:docChgLst>
+</pc:chgInfo>
 </file>
 
 <file path=ppt/slideLayouts/slideLayout1.xml><?xml version="1.0" encoding="utf-8"?>
@@ -3425,6 +3519,380 @@
 </p:sld>
 </file>
 
+<file path=ppt/slides/slide2.xml><?xml version="1.0" encoding="utf-8"?>
+<p:sld xmlns:a="http://schemas.openxmlformats.org/drawingml/2006/main" xmlns:r="http://schemas.openxmlformats.org/officeDocument/2006/relationships" xmlns:p="http://schemas.openxmlformats.org/presentationml/2006/main">
+  <p:cSld>
+    <p:bg>
+      <p:bgPr>
+        <a:solidFill>
+          <a:schemeClr val="bg1"/>
+        </a:solidFill>
+        <a:effectLst/>
+      </p:bgPr>
+    </p:bg>
+    <p:spTree>
+      <p:nvGrpSpPr>
+        <p:cNvPr id="1" name=""/>
+        <p:cNvGrpSpPr/>
+        <p:nvPr/>
+      </p:nvGrpSpPr>
+      <p:grpSpPr>
+        <a:xfrm>
+          <a:off x="0" y="0"/>
+          <a:ext cx="0" cy="0"/>
+          <a:chOff x="0" y="0"/>
+          <a:chExt cx="0" cy="0"/>
+        </a:xfrm>
+      </p:grpSpPr>
+      <p:sp useBgFill="1">
+        <p:nvSpPr>
+          <p:cNvPr id="15" name="Rectangle 14">
+            <a:extLst>
+              <a:ext uri="{FF2B5EF4-FFF2-40B4-BE49-F238E27FC236}">
+                <a16:creationId xmlns:a16="http://schemas.microsoft.com/office/drawing/2014/main" id="{AB8C311F-7253-4AED-9701-7FC0708C41C7}"/>
+              </a:ext>
+              <a:ext uri="{C183D7F6-B498-43B3-948B-1728B52AA6E4}">
+                <adec:decorative xmlns:adec="http://schemas.microsoft.com/office/drawing/2017/decorative" val="1"/>
+              </a:ext>
+            </a:extLst>
+          </p:cNvPr>
+          <p:cNvSpPr>
+            <a:spLocks noGrp="1" noRot="1" noChangeAspect="1" noMove="1" noResize="1" noEditPoints="1" noAdjustHandles="1" noChangeArrowheads="1" noChangeShapeType="1" noTextEdit="1"/>
+          </p:cNvSpPr>
+          <p:nvPr>
+            <p:extLst>
+              <p:ext uri="{386F3935-93C4-4BCD-93E2-E3B085C9AB24}">
+                <p16:designElem xmlns:p16="http://schemas.microsoft.com/office/powerpoint/2015/main" val="1"/>
+              </p:ext>
+            </p:extLst>
+          </p:nvPr>
+        </p:nvSpPr>
+        <p:spPr>
+          <a:xfrm>
+            <a:off x="0" y="0"/>
+            <a:ext cx="12192000" cy="6858000"/>
+          </a:xfrm>
+          <a:prstGeom prst="rect">
+            <a:avLst/>
+          </a:prstGeom>
+          <a:ln w="12700" cap="flat" cmpd="sng" algn="ctr">
+            <a:noFill/>
+            <a:prstDash val="solid"/>
+            <a:miter lim="800000"/>
+          </a:ln>
+          <a:effectLst/>
+          <a:extLst>
+            <a:ext uri="{91240B29-F687-4F45-9708-019B960494DF}">
+              <a14:hiddenLine xmlns:a14="http://schemas.microsoft.com/office/drawing/2010/main" w="12700" cap="flat" cmpd="sng" algn="ctr">
+                <a:solidFill>
+                  <a:schemeClr val="accent1">
+                    <a:shade val="50000"/>
+                  </a:schemeClr>
+                </a:solidFill>
+                <a:prstDash val="solid"/>
+                <a:miter lim="800000"/>
+              </a14:hiddenLine>
+            </a:ext>
+          </a:extLst>
+        </p:spPr>
+        <p:style>
+          <a:lnRef idx="2">
+            <a:schemeClr val="accent1">
+              <a:shade val="50000"/>
+            </a:schemeClr>
+          </a:lnRef>
+          <a:fillRef idx="1">
+            <a:schemeClr val="accent1"/>
+          </a:fillRef>
+          <a:effectRef idx="0">
+            <a:schemeClr val="accent1"/>
+          </a:effectRef>
+          <a:fontRef idx="minor">
+            <a:schemeClr val="lt1"/>
+          </a:fontRef>
+        </p:style>
+        <p:txBody>
+          <a:bodyPr rtlCol="0" anchor="ctr"/>
+          <a:lstStyle/>
+          <a:p>
+            <a:pPr algn="ctr"/>
+            <a:endParaRPr lang="en-US"/>
+          </a:p>
+        </p:txBody>
+      </p:sp>
+      <p:sp>
+        <p:nvSpPr>
+          <p:cNvPr id="17" name="Rectangle 16">
+            <a:extLst>
+              <a:ext uri="{FF2B5EF4-FFF2-40B4-BE49-F238E27FC236}">
+                <a16:creationId xmlns:a16="http://schemas.microsoft.com/office/drawing/2014/main" id="{E2384209-CB15-4CDF-9D31-C44FD9A3F20D}"/>
+              </a:ext>
+              <a:ext uri="{C183D7F6-B498-43B3-948B-1728B52AA6E4}">
+                <adec:decorative xmlns:adec="http://schemas.microsoft.com/office/drawing/2017/decorative" val="1"/>
+              </a:ext>
+            </a:extLst>
+          </p:cNvPr>
+          <p:cNvSpPr>
+            <a:spLocks noGrp="1" noRot="1" noChangeAspect="1" noMove="1" noResize="1" noEditPoints="1" noAdjustHandles="1" noChangeArrowheads="1" noChangeShapeType="1" noTextEdit="1"/>
+          </p:cNvSpPr>
+          <p:nvPr>
+            <p:extLst>
+              <p:ext uri="{386F3935-93C4-4BCD-93E2-E3B085C9AB24}">
+                <p16:designElem xmlns:p16="http://schemas.microsoft.com/office/powerpoint/2015/main" val="1"/>
+              </p:ext>
+            </p:extLst>
+          </p:nvPr>
+        </p:nvSpPr>
+        <p:spPr>
+          <a:xfrm rot="16200000" flipH="1">
+            <a:off x="2666617" y="-2666188"/>
+            <a:ext cx="6858000" cy="12191233"/>
+          </a:xfrm>
+          <a:prstGeom prst="rect">
+            <a:avLst/>
+          </a:prstGeom>
+          <a:gradFill>
+            <a:gsLst>
+              <a:gs pos="8000">
+                <a:schemeClr val="accent1"/>
+              </a:gs>
+              <a:gs pos="100000">
+                <a:schemeClr val="accent1">
+                  <a:lumMod val="50000"/>
+                </a:schemeClr>
+              </a:gs>
+            </a:gsLst>
+            <a:lin ang="12000000" scaled="0"/>
+          </a:gradFill>
+          <a:ln>
+            <a:noFill/>
+          </a:ln>
+        </p:spPr>
+        <p:style>
+          <a:lnRef idx="2">
+            <a:schemeClr val="accent1">
+              <a:shade val="50000"/>
+            </a:schemeClr>
+          </a:lnRef>
+          <a:fillRef idx="1">
+            <a:schemeClr val="accent1"/>
+          </a:fillRef>
+          <a:effectRef idx="0">
+            <a:schemeClr val="accent1"/>
+          </a:effectRef>
+          <a:fontRef idx="minor">
+            <a:schemeClr val="lt1"/>
+          </a:fontRef>
+        </p:style>
+        <p:txBody>
+          <a:bodyPr rtlCol="0" anchor="ctr"/>
+          <a:lstStyle/>
+          <a:p>
+            <a:pPr algn="ctr"/>
+            <a:endParaRPr lang="en-US"/>
+          </a:p>
+        </p:txBody>
+      </p:sp>
+      <p:sp>
+        <p:nvSpPr>
+          <p:cNvPr id="19" name="Rectangle 18">
+            <a:extLst>
+              <a:ext uri="{FF2B5EF4-FFF2-40B4-BE49-F238E27FC236}">
+                <a16:creationId xmlns:a16="http://schemas.microsoft.com/office/drawing/2014/main" id="{2633B3B5-CC90-43F0-8714-D31D1F3F0209}"/>
+              </a:ext>
+              <a:ext uri="{C183D7F6-B498-43B3-948B-1728B52AA6E4}">
+                <adec:decorative xmlns:adec="http://schemas.microsoft.com/office/drawing/2017/decorative" val="1"/>
+              </a:ext>
+            </a:extLst>
+          </p:cNvPr>
+          <p:cNvSpPr>
+            <a:spLocks noGrp="1" noRot="1" noChangeAspect="1" noMove="1" noResize="1" noEditPoints="1" noAdjustHandles="1" noChangeArrowheads="1" noChangeShapeType="1" noTextEdit="1"/>
+          </p:cNvSpPr>
+          <p:nvPr>
+            <p:extLst>
+              <p:ext uri="{386F3935-93C4-4BCD-93E2-E3B085C9AB24}">
+                <p16:designElem xmlns:p16="http://schemas.microsoft.com/office/powerpoint/2015/main" val="1"/>
+              </p:ext>
+            </p:extLst>
+          </p:nvPr>
+        </p:nvSpPr>
+        <p:spPr>
+          <a:xfrm rot="10800000" flipH="1">
+            <a:off x="-2311" y="0"/>
+            <a:ext cx="9070846" cy="6857572"/>
+          </a:xfrm>
+          <a:prstGeom prst="rect">
+            <a:avLst/>
+          </a:prstGeom>
+          <a:gradFill>
+            <a:gsLst>
+              <a:gs pos="8000">
+                <a:srgbClr val="000000">
+                  <a:alpha val="52000"/>
+                </a:srgbClr>
+              </a:gs>
+              <a:gs pos="100000">
+                <a:schemeClr val="accent1"/>
+              </a:gs>
+            </a:gsLst>
+            <a:lin ang="4800000" scaled="0"/>
+          </a:gradFill>
+          <a:ln>
+            <a:noFill/>
+          </a:ln>
+        </p:spPr>
+        <p:style>
+          <a:lnRef idx="2">
+            <a:schemeClr val="accent1">
+              <a:shade val="50000"/>
+            </a:schemeClr>
+          </a:lnRef>
+          <a:fillRef idx="1">
+            <a:schemeClr val="accent1"/>
+          </a:fillRef>
+          <a:effectRef idx="0">
+            <a:schemeClr val="accent1"/>
+          </a:effectRef>
+          <a:fontRef idx="minor">
+            <a:schemeClr val="lt1"/>
+          </a:fontRef>
+        </p:style>
+        <p:txBody>
+          <a:bodyPr rtlCol="0" anchor="ctr"/>
+          <a:lstStyle/>
+          <a:p>
+            <a:pPr algn="ctr"/>
+            <a:endParaRPr lang="en-US"/>
+          </a:p>
+        </p:txBody>
+      </p:sp>
+      <p:sp>
+        <p:nvSpPr>
+          <p:cNvPr id="21" name="Rectangle 20">
+            <a:extLst>
+              <a:ext uri="{FF2B5EF4-FFF2-40B4-BE49-F238E27FC236}">
+                <a16:creationId xmlns:a16="http://schemas.microsoft.com/office/drawing/2014/main" id="{A8D57A06-A426-446D-B02C-A2DC6B62E45E}"/>
+              </a:ext>
+              <a:ext uri="{C183D7F6-B498-43B3-948B-1728B52AA6E4}">
+                <adec:decorative xmlns:adec="http://schemas.microsoft.com/office/drawing/2017/decorative" val="1"/>
+              </a:ext>
+            </a:extLst>
+          </p:cNvPr>
+          <p:cNvSpPr>
+            <a:spLocks noGrp="1" noRot="1" noChangeAspect="1" noMove="1" noResize="1" noEditPoints="1" noAdjustHandles="1" noChangeArrowheads="1" noChangeShapeType="1" noTextEdit="1"/>
+          </p:cNvSpPr>
+          <p:nvPr>
+            <p:extLst>
+              <p:ext uri="{386F3935-93C4-4BCD-93E2-E3B085C9AB24}">
+                <p16:designElem xmlns:p16="http://schemas.microsoft.com/office/powerpoint/2015/main" val="1"/>
+              </p:ext>
+            </p:extLst>
+          </p:nvPr>
+        </p:nvSpPr>
+        <p:spPr>
+          <a:xfrm rot="16200000" flipH="1">
+            <a:off x="3649491" y="-1685840"/>
+            <a:ext cx="4894564" cy="12193546"/>
+          </a:xfrm>
+          <a:prstGeom prst="rect">
+            <a:avLst/>
+          </a:prstGeom>
+          <a:gradFill>
+            <a:gsLst>
+              <a:gs pos="0">
+                <a:schemeClr val="accent5">
+                  <a:lumMod val="60000"/>
+                  <a:lumOff val="40000"/>
+                  <a:alpha val="0"/>
+                </a:schemeClr>
+              </a:gs>
+              <a:gs pos="100000">
+                <a:srgbClr val="000000">
+                  <a:alpha val="46000"/>
+                </a:srgbClr>
+              </a:gs>
+            </a:gsLst>
+            <a:lin ang="1200000" scaled="0"/>
+          </a:gradFill>
+          <a:ln>
+            <a:noFill/>
+          </a:ln>
+        </p:spPr>
+        <p:style>
+          <a:lnRef idx="2">
+            <a:schemeClr val="accent1">
+              <a:shade val="50000"/>
+            </a:schemeClr>
+          </a:lnRef>
+          <a:fillRef idx="1">
+            <a:schemeClr val="accent1"/>
+          </a:fillRef>
+          <a:effectRef idx="0">
+            <a:schemeClr val="accent1"/>
+          </a:effectRef>
+          <a:fontRef idx="minor">
+            <a:schemeClr val="lt1"/>
+          </a:fontRef>
+        </p:style>
+        <p:txBody>
+          <a:bodyPr rtlCol="0" anchor="ctr"/>
+          <a:lstStyle/>
+          <a:p>
+            <a:pPr algn="ctr"/>
+            <a:endParaRPr lang="en-US"/>
+          </a:p>
+        </p:txBody>
+      </p:sp>
+      <p:pic>
+        <p:nvPicPr>
+          <p:cNvPr id="5" name="Inhaltsplatzhalter 4" descr="Ein Bild, das Insekt, Hut, Wirbellose, Sonnenhut enthält.">
+            <a:extLst>
+              <a:ext uri="{FF2B5EF4-FFF2-40B4-BE49-F238E27FC236}">
+                <a16:creationId xmlns:a16="http://schemas.microsoft.com/office/drawing/2014/main" id="{75877A7C-9063-BCE2-5673-E2AA51F4D491}"/>
+              </a:ext>
+            </a:extLst>
+          </p:cNvPr>
+          <p:cNvPicPr>
+            <a:picLocks noGrp="1" noChangeAspect="1"/>
+          </p:cNvPicPr>
+          <p:nvPr>
+            <p:ph idx="1"/>
+          </p:nvPr>
+        </p:nvPicPr>
+        <p:blipFill rotWithShape="1">
+          <a:blip r:embed="rId2">
+            <a:extLst>
+              <a:ext uri="{28A0092B-C50C-407E-A947-70E740481C1C}">
+                <a14:useLocalDpi xmlns:a14="http://schemas.microsoft.com/office/drawing/2010/main" val="0"/>
+              </a:ext>
+            </a:extLst>
+          </a:blip>
+          <a:srcRect t="24253" b="19507"/>
+          <a:stretch/>
+        </p:blipFill>
+        <p:spPr>
+          <a:xfrm>
+            <a:off x="811861" y="457200"/>
+            <a:ext cx="10568278" cy="5943600"/>
+          </a:xfrm>
+          <a:prstGeom prst="rect">
+            <a:avLst/>
+          </a:prstGeom>
+        </p:spPr>
+      </p:pic>
+    </p:spTree>
+    <p:extLst>
+      <p:ext uri="{BB962C8B-B14F-4D97-AF65-F5344CB8AC3E}">
+        <p14:creationId xmlns:p14="http://schemas.microsoft.com/office/powerpoint/2010/main" val="1876572696"/>
+      </p:ext>
+    </p:extLst>
+  </p:cSld>
+  <p:clrMapOvr>
+    <a:masterClrMapping/>
+  </p:clrMapOvr>
+</p:sld>
+</file>
+
 <file path=ppt/theme/theme1.xml><?xml version="1.0" encoding="utf-8"?>
 <a:theme xmlns:a="http://schemas.openxmlformats.org/drawingml/2006/main" name="Office">
   <a:themeElements>

--- a/Microsoft PowerPoint-Präsentation (neu).pptx
+++ b/Microsoft PowerPoint-Präsentation (neu).pptx
@@ -6,7 +6,8 @@
   </p:sldMasterIdLst>
   <p:sldIdLst>
     <p:sldId id="256" r:id="rId2"/>
-    <p:sldId id="257" r:id="rId3"/>
+    <p:sldId id="258" r:id="rId3"/>
+    <p:sldId id="257" r:id="rId4"/>
   </p:sldIdLst>
   <p:sldSz cx="12192000" cy="6858000"/>
   <p:notesSz cx="6858000" cy="9144000"/>
@@ -116,7 +117,7 @@
 <file path=ppt/revisionInfo.xml><?xml version="1.0" encoding="utf-8"?>
 <p1510:revInfo xmlns:a="http://schemas.openxmlformats.org/drawingml/2006/main" xmlns:r="http://schemas.openxmlformats.org/officeDocument/2006/relationships" xmlns:p1510="http://schemas.microsoft.com/office/powerpoint/2015/10/main">
   <p1510:revLst>
-    <p1510:client id="{C0BB09BB-6AE1-4F91-A41E-1B66A2CC96A1}" v="1" dt="2023-06-12T11:29:01.222"/>
+    <p1510:client id="{C0BB09BB-6AE1-4F91-A41E-1B66A2CC96A1}" v="2" dt="2023-06-12T12:01:37.022"/>
   </p1510:revLst>
 </p1510:revInfo>
 </file>
@@ -126,7 +127,7 @@
   <pc:docChgLst>
     <pc:chgData name="Susanne Pachtmann" userId="5b9714c7-d5d0-4134-a8c7-755a8e442973" providerId="ADAL" clId="{C0BB09BB-6AE1-4F91-A41E-1B66A2CC96A1}"/>
     <pc:docChg chg="custSel addSld modSld">
-      <pc:chgData name="Susanne Pachtmann" userId="5b9714c7-d5d0-4134-a8c7-755a8e442973" providerId="ADAL" clId="{C0BB09BB-6AE1-4F91-A41E-1B66A2CC96A1}" dt="2023-06-12T11:29:12.948" v="9" actId="962"/>
+      <pc:chgData name="Susanne Pachtmann" userId="5b9714c7-d5d0-4134-a8c7-755a8e442973" providerId="ADAL" clId="{C0BB09BB-6AE1-4F91-A41E-1B66A2CC96A1}" dt="2023-06-12T12:01:37.921" v="13" actId="962"/>
       <pc:docMkLst>
         <pc:docMk/>
       </pc:docMkLst>
@@ -198,6 +199,21 @@
             <pc:docMk/>
             <pc:sldMk cId="1876572696" sldId="257"/>
             <ac:picMk id="5" creationId="{75877A7C-9063-BCE2-5673-E2AA51F4D491}"/>
+          </ac:picMkLst>
+        </pc:picChg>
+      </pc:sldChg>
+      <pc:sldChg chg="addSp modSp new mod">
+        <pc:chgData name="Susanne Pachtmann" userId="5b9714c7-d5d0-4134-a8c7-755a8e442973" providerId="ADAL" clId="{C0BB09BB-6AE1-4F91-A41E-1B66A2CC96A1}" dt="2023-06-12T12:01:37.921" v="13" actId="962"/>
+        <pc:sldMkLst>
+          <pc:docMk/>
+          <pc:sldMk cId="3333611638" sldId="258"/>
+        </pc:sldMkLst>
+        <pc:picChg chg="add mod">
+          <ac:chgData name="Susanne Pachtmann" userId="5b9714c7-d5d0-4134-a8c7-755a8e442973" providerId="ADAL" clId="{C0BB09BB-6AE1-4F91-A41E-1B66A2CC96A1}" dt="2023-06-12T12:01:37.921" v="13" actId="962"/>
+          <ac:picMkLst>
+            <pc:docMk/>
+            <pc:sldMk cId="3333611638" sldId="258"/>
+            <ac:picMk id="3" creationId="{9C36BD17-2BA9-1791-AE6F-D03ACA83E4E7}"/>
           </ac:picMkLst>
         </pc:picChg>
       </pc:sldChg>
@@ -3522,6 +3538,72 @@
 <file path=ppt/slides/slide2.xml><?xml version="1.0" encoding="utf-8"?>
 <p:sld xmlns:a="http://schemas.openxmlformats.org/drawingml/2006/main" xmlns:r="http://schemas.openxmlformats.org/officeDocument/2006/relationships" xmlns:p="http://schemas.openxmlformats.org/presentationml/2006/main">
   <p:cSld>
+    <p:spTree>
+      <p:nvGrpSpPr>
+        <p:cNvPr id="1" name=""/>
+        <p:cNvGrpSpPr/>
+        <p:nvPr/>
+      </p:nvGrpSpPr>
+      <p:grpSpPr>
+        <a:xfrm>
+          <a:off x="0" y="0"/>
+          <a:ext cx="0" cy="0"/>
+          <a:chOff x="0" y="0"/>
+          <a:chExt cx="0" cy="0"/>
+        </a:xfrm>
+      </p:grpSpPr>
+      <p:pic>
+        <p:nvPicPr>
+          <p:cNvPr id="3" name="Grafik 2" descr="Ein Bild, das Essen, Gemüse, Fastfood, Truthahnfleisch enthält.&#10;&#10;Automatisch generierte Beschreibung">
+            <a:extLst>
+              <a:ext uri="{FF2B5EF4-FFF2-40B4-BE49-F238E27FC236}">
+                <a16:creationId xmlns:a16="http://schemas.microsoft.com/office/drawing/2014/main" id="{9C36BD17-2BA9-1791-AE6F-D03ACA83E4E7}"/>
+              </a:ext>
+            </a:extLst>
+          </p:cNvPr>
+          <p:cNvPicPr>
+            <a:picLocks noChangeAspect="1"/>
+          </p:cNvPicPr>
+          <p:nvPr/>
+        </p:nvPicPr>
+        <p:blipFill>
+          <a:blip r:embed="rId2">
+            <a:extLst>
+              <a:ext uri="{28A0092B-C50C-407E-A947-70E740481C1C}">
+                <a14:useLocalDpi xmlns:a14="http://schemas.microsoft.com/office/drawing/2010/main" val="0"/>
+              </a:ext>
+            </a:extLst>
+          </a:blip>
+          <a:stretch>
+            <a:fillRect/>
+          </a:stretch>
+        </p:blipFill>
+        <p:spPr>
+          <a:xfrm>
+            <a:off x="2709391" y="0"/>
+            <a:ext cx="6773217" cy="6858000"/>
+          </a:xfrm>
+          <a:prstGeom prst="rect">
+            <a:avLst/>
+          </a:prstGeom>
+        </p:spPr>
+      </p:pic>
+    </p:spTree>
+    <p:extLst>
+      <p:ext uri="{BB962C8B-B14F-4D97-AF65-F5344CB8AC3E}">
+        <p14:creationId xmlns:p14="http://schemas.microsoft.com/office/powerpoint/2010/main" val="3333611638"/>
+      </p:ext>
+    </p:extLst>
+  </p:cSld>
+  <p:clrMapOvr>
+    <a:masterClrMapping/>
+  </p:clrMapOvr>
+</p:sld>
+</file>
+
+<file path=ppt/slides/slide3.xml><?xml version="1.0" encoding="utf-8"?>
+<p:sld xmlns:a="http://schemas.openxmlformats.org/drawingml/2006/main" xmlns:r="http://schemas.openxmlformats.org/officeDocument/2006/relationships" xmlns:p="http://schemas.openxmlformats.org/presentationml/2006/main">
+  <p:cSld>
     <p:bg>
       <p:bgPr>
         <a:solidFill>
